--- a/aulas/t/SOP-T1-3GM.pptx
+++ b/aulas/t/SOP-T1-3GM.pptx
@@ -15965,7 +15965,7 @@
         <p:spPr bwMode="auto">
           <a:xfrm>
             <a:off x="540000" y="900000"/>
-            <a:ext cx="8064448" cy="4676909"/>
+            <a:ext cx="8064448" cy="4307577"/>
           </a:xfrm>
           <a:prstGeom prst="rect">
             <a:avLst/>
@@ -15991,7 +15991,7 @@
               </a:lnSpc>
             </a:pPr>
             <a:r>
-              <a:rPr lang="pt-PT" sz="2000" b="0" i="0"/>
+              <a:rPr lang="pt-PT" sz="2000" b="0" i="0" dirty="0"/>
               <a:t>Questionário online em:</a:t>
             </a:r>
           </a:p>
@@ -16004,12 +16004,8 @@
               <a:buChar char="Ø"/>
             </a:pPr>
             <a:r>
-              <a:rPr lang="pt-PT" sz="2800" i="0"/>
-              <a:t>http</a:t>
-            </a:r>
-            <a:r>
               <a:rPr lang="pt-PT" sz="2800" i="0" dirty="0"/>
-              <a:t>://moodle.utad.pt/</a:t>
+              <a:t>http://moodle.utad.pt/</a:t>
             </a:r>
             <a:endParaRPr lang="pt-PT" sz="2800" b="0" i="0" dirty="0"/>
           </a:p>
@@ -16044,7 +16040,7 @@
             </a:r>
             <a:r>
               <a:rPr lang="pt-PT" sz="2800" i="0" dirty="0"/>
-              <a:t>so2021</a:t>
+              <a:t>so2223</a:t>
             </a:r>
           </a:p>
           <a:p>
@@ -16056,13 +16052,14 @@
               <a:buChar char="Ø"/>
             </a:pPr>
             <a:r>
-              <a:rPr lang="en-GB" sz="2800" b="0" i="0" dirty="0"/>
-              <a:t>Password do teste: </a:t>
-            </a:r>
-            <a:r>
-              <a:rPr lang="en-GB" sz="2800" i="0" dirty="0"/>
-              <a:t>gm</a:t>
-            </a:r>
+              <a:rPr lang="pt-PT" sz="2800" b="0" i="0" dirty="0">
+                <a:solidFill>
+                  <a:srgbClr val="FF0000"/>
+                </a:solidFill>
+              </a:rPr>
+              <a:t>Não conta para nota final.</a:t>
+            </a:r>
+            <a:endParaRPr lang="pt-PT" sz="2800" i="0" dirty="0"/>
           </a:p>
           <a:p>
             <a:pPr marL="450850" lvl="1" indent="-271463" algn="l" defTabSz="704085">
@@ -16074,7 +16071,15 @@
             </a:pPr>
             <a:r>
               <a:rPr lang="pt-PT" sz="2000" i="0" dirty="0"/>
-              <a:t>3 conjunto (gestão de memória, memória virtual e paginação, paginação e segmentação) de 2 questões (em 5 possíveis)</a:t>
+              <a:t>3 conjuntos (gestão de memória, </a:t>
+            </a:r>
+            <a:r>
+              <a:rPr lang="pt-PT" sz="2000" i="0"/>
+              <a:t>memória virtual, </a:t>
+            </a:r>
+            <a:r>
+              <a:rPr lang="pt-PT" sz="2000" i="0" dirty="0"/>
+              <a:t>paginação e segmentação) de 2 questões (em 5 possíveis)</a:t>
             </a:r>
             <a:r>
               <a:rPr lang="pt-PT" sz="2000" b="0" i="0" dirty="0"/>
@@ -16090,60 +16095,28 @@
               <a:buChar char="Ø"/>
             </a:pPr>
             <a:r>
-              <a:rPr lang="en-GB" sz="2000" b="0" i="0" dirty="0"/>
-              <a:t>Das </a:t>
-            </a:r>
-            <a:r>
               <a:rPr lang="en-GB" sz="2000" i="0" dirty="0"/>
-              <a:t>18h de </a:t>
+              <a:t>1 </a:t>
             </a:r>
             <a:r>
               <a:rPr lang="en-GB" sz="2000" i="0" dirty="0" err="1"/>
-              <a:t>quinta</a:t>
-            </a:r>
-            <a:r>
-              <a:rPr lang="en-GB" sz="2000" i="0" dirty="0"/>
-              <a:t>, 28 de </a:t>
-            </a:r>
-            <a:r>
-              <a:rPr lang="en-GB" sz="2000" i="0" dirty="0" err="1"/>
-              <a:t>outubro</a:t>
+              <a:t>tentativa</a:t>
             </a:r>
             <a:r>
               <a:rPr lang="en-GB" sz="2000" i="0" dirty="0"/>
               <a:t> </a:t>
             </a:r>
             <a:r>
-              <a:rPr lang="en-GB" sz="2000" b="0" i="0" dirty="0" err="1"/>
-              <a:t>até</a:t>
-            </a:r>
-            <a:r>
-              <a:rPr lang="en-GB" sz="2000" b="0" i="0" dirty="0"/>
-              <a:t> </a:t>
-            </a:r>
-            <a:r>
-              <a:rPr lang="en-GB" sz="2000" b="0" i="0" dirty="0" err="1"/>
-              <a:t>às</a:t>
-            </a:r>
-            <a:r>
-              <a:rPr lang="en-GB" sz="2000" b="0" i="0" dirty="0"/>
-              <a:t> </a:t>
+              <a:rPr lang="en-GB" sz="2000" i="0" dirty="0" err="1"/>
+              <a:t>apenas</a:t>
             </a:r>
             <a:r>
               <a:rPr lang="en-GB" sz="2000" i="0" dirty="0"/>
-              <a:t>18h de </a:t>
+              <a:t>, sempre </a:t>
             </a:r>
             <a:r>
               <a:rPr lang="en-GB" sz="2000" i="0" dirty="0" err="1"/>
-              <a:t>sexta</a:t>
-            </a:r>
-            <a:r>
-              <a:rPr lang="en-GB" sz="2000" i="0" dirty="0"/>
-              <a:t>, 29 de </a:t>
-            </a:r>
-            <a:r>
-              <a:rPr lang="en-GB" sz="2000" i="0" dirty="0" err="1"/>
-              <a:t>outubro</a:t>
+              <a:t>aberto</a:t>
             </a:r>
             <a:r>
               <a:rPr lang="en-GB" sz="2000" b="0" i="0" dirty="0"/>
